--- a/Seminars/Seminar01/Presentation01.pptx
+++ b/Seminars/Seminar01/Presentation01.pptx
@@ -10753,6 +10753,524 @@
   <p:clrMapOvr>
     <a:masterClrMapping/>
   </p:clrMapOvr>
+  <p:timing>
+    <p:tnLst>
+      <p:par>
+        <p:cTn id="1" dur="indefinite" restart="never" nodeType="tmRoot">
+          <p:childTnLst>
+            <p:seq concurrent="1" nextAc="seek">
+              <p:cTn id="2" dur="indefinite" nodeType="mainSeq">
+                <p:childTnLst>
+                  <p:par>
+                    <p:cTn id="3" fill="hold">
+                      <p:stCondLst>
+                        <p:cond delay="indefinite"/>
+                      </p:stCondLst>
+                      <p:childTnLst>
+                        <p:par>
+                          <p:cTn id="4" fill="hold">
+                            <p:stCondLst>
+                              <p:cond delay="0"/>
+                            </p:stCondLst>
+                            <p:childTnLst>
+                              <p:par>
+                                <p:cTn id="5" presetID="10" presetClass="entr" presetSubtype="0" fill="hold" nodeType="clickEffect">
+                                  <p:stCondLst>
+                                    <p:cond delay="0"/>
+                                  </p:stCondLst>
+                                  <p:childTnLst>
+                                    <p:set>
+                                      <p:cBhvr>
+                                        <p:cTn id="6" dur="1" fill="hold">
+                                          <p:stCondLst>
+                                            <p:cond delay="0"/>
+                                          </p:stCondLst>
+                                        </p:cTn>
+                                        <p:tgtEl>
+                                          <p:spTgt spid="5">
+                                            <p:txEl>
+                                              <p:pRg st="0" end="0"/>
+                                            </p:txEl>
+                                          </p:spTgt>
+                                        </p:tgtEl>
+                                        <p:attrNameLst>
+                                          <p:attrName>style.visibility</p:attrName>
+                                        </p:attrNameLst>
+                                      </p:cBhvr>
+                                      <p:to>
+                                        <p:strVal val="visible"/>
+                                      </p:to>
+                                    </p:set>
+                                    <p:animEffect transition="in" filter="fade">
+                                      <p:cBhvr>
+                                        <p:cTn id="7" dur="500"/>
+                                        <p:tgtEl>
+                                          <p:spTgt spid="5">
+                                            <p:txEl>
+                                              <p:pRg st="0" end="0"/>
+                                            </p:txEl>
+                                          </p:spTgt>
+                                        </p:tgtEl>
+                                      </p:cBhvr>
+                                    </p:animEffect>
+                                  </p:childTnLst>
+                                </p:cTn>
+                              </p:par>
+                            </p:childTnLst>
+                          </p:cTn>
+                        </p:par>
+                      </p:childTnLst>
+                    </p:cTn>
+                  </p:par>
+                  <p:par>
+                    <p:cTn id="8" fill="hold">
+                      <p:stCondLst>
+                        <p:cond delay="indefinite"/>
+                      </p:stCondLst>
+                      <p:childTnLst>
+                        <p:par>
+                          <p:cTn id="9" fill="hold">
+                            <p:stCondLst>
+                              <p:cond delay="0"/>
+                            </p:stCondLst>
+                            <p:childTnLst>
+                              <p:par>
+                                <p:cTn id="10" presetID="10" presetClass="entr" presetSubtype="0" fill="hold" nodeType="clickEffect">
+                                  <p:stCondLst>
+                                    <p:cond delay="0"/>
+                                  </p:stCondLst>
+                                  <p:childTnLst>
+                                    <p:set>
+                                      <p:cBhvr>
+                                        <p:cTn id="11" dur="1" fill="hold">
+                                          <p:stCondLst>
+                                            <p:cond delay="0"/>
+                                          </p:stCondLst>
+                                        </p:cTn>
+                                        <p:tgtEl>
+                                          <p:spTgt spid="5">
+                                            <p:txEl>
+                                              <p:pRg st="1" end="1"/>
+                                            </p:txEl>
+                                          </p:spTgt>
+                                        </p:tgtEl>
+                                        <p:attrNameLst>
+                                          <p:attrName>style.visibility</p:attrName>
+                                        </p:attrNameLst>
+                                      </p:cBhvr>
+                                      <p:to>
+                                        <p:strVal val="visible"/>
+                                      </p:to>
+                                    </p:set>
+                                    <p:animEffect transition="in" filter="fade">
+                                      <p:cBhvr>
+                                        <p:cTn id="12" dur="500"/>
+                                        <p:tgtEl>
+                                          <p:spTgt spid="5">
+                                            <p:txEl>
+                                              <p:pRg st="1" end="1"/>
+                                            </p:txEl>
+                                          </p:spTgt>
+                                        </p:tgtEl>
+                                      </p:cBhvr>
+                                    </p:animEffect>
+                                  </p:childTnLst>
+                                </p:cTn>
+                              </p:par>
+                            </p:childTnLst>
+                          </p:cTn>
+                        </p:par>
+                      </p:childTnLst>
+                    </p:cTn>
+                  </p:par>
+                  <p:par>
+                    <p:cTn id="13" fill="hold">
+                      <p:stCondLst>
+                        <p:cond delay="indefinite"/>
+                      </p:stCondLst>
+                      <p:childTnLst>
+                        <p:par>
+                          <p:cTn id="14" fill="hold">
+                            <p:stCondLst>
+                              <p:cond delay="0"/>
+                            </p:stCondLst>
+                            <p:childTnLst>
+                              <p:par>
+                                <p:cTn id="15" presetID="10" presetClass="entr" presetSubtype="0" fill="hold" nodeType="clickEffect">
+                                  <p:stCondLst>
+                                    <p:cond delay="0"/>
+                                  </p:stCondLst>
+                                  <p:childTnLst>
+                                    <p:set>
+                                      <p:cBhvr>
+                                        <p:cTn id="16" dur="1" fill="hold">
+                                          <p:stCondLst>
+                                            <p:cond delay="0"/>
+                                          </p:stCondLst>
+                                        </p:cTn>
+                                        <p:tgtEl>
+                                          <p:spTgt spid="5">
+                                            <p:txEl>
+                                              <p:pRg st="2" end="2"/>
+                                            </p:txEl>
+                                          </p:spTgt>
+                                        </p:tgtEl>
+                                        <p:attrNameLst>
+                                          <p:attrName>style.visibility</p:attrName>
+                                        </p:attrNameLst>
+                                      </p:cBhvr>
+                                      <p:to>
+                                        <p:strVal val="visible"/>
+                                      </p:to>
+                                    </p:set>
+                                    <p:animEffect transition="in" filter="fade">
+                                      <p:cBhvr>
+                                        <p:cTn id="17" dur="500"/>
+                                        <p:tgtEl>
+                                          <p:spTgt spid="5">
+                                            <p:txEl>
+                                              <p:pRg st="2" end="2"/>
+                                            </p:txEl>
+                                          </p:spTgt>
+                                        </p:tgtEl>
+                                      </p:cBhvr>
+                                    </p:animEffect>
+                                  </p:childTnLst>
+                                </p:cTn>
+                              </p:par>
+                            </p:childTnLst>
+                          </p:cTn>
+                        </p:par>
+                      </p:childTnLst>
+                    </p:cTn>
+                  </p:par>
+                  <p:par>
+                    <p:cTn id="18" fill="hold">
+                      <p:stCondLst>
+                        <p:cond delay="indefinite"/>
+                      </p:stCondLst>
+                      <p:childTnLst>
+                        <p:par>
+                          <p:cTn id="19" fill="hold">
+                            <p:stCondLst>
+                              <p:cond delay="0"/>
+                            </p:stCondLst>
+                            <p:childTnLst>
+                              <p:par>
+                                <p:cTn id="20" presetID="10" presetClass="entr" presetSubtype="0" fill="hold" nodeType="clickEffect">
+                                  <p:stCondLst>
+                                    <p:cond delay="0"/>
+                                  </p:stCondLst>
+                                  <p:childTnLst>
+                                    <p:set>
+                                      <p:cBhvr>
+                                        <p:cTn id="21" dur="1" fill="hold">
+                                          <p:stCondLst>
+                                            <p:cond delay="0"/>
+                                          </p:stCondLst>
+                                        </p:cTn>
+                                        <p:tgtEl>
+                                          <p:spTgt spid="5">
+                                            <p:txEl>
+                                              <p:pRg st="3" end="3"/>
+                                            </p:txEl>
+                                          </p:spTgt>
+                                        </p:tgtEl>
+                                        <p:attrNameLst>
+                                          <p:attrName>style.visibility</p:attrName>
+                                        </p:attrNameLst>
+                                      </p:cBhvr>
+                                      <p:to>
+                                        <p:strVal val="visible"/>
+                                      </p:to>
+                                    </p:set>
+                                    <p:animEffect transition="in" filter="fade">
+                                      <p:cBhvr>
+                                        <p:cTn id="22" dur="500"/>
+                                        <p:tgtEl>
+                                          <p:spTgt spid="5">
+                                            <p:txEl>
+                                              <p:pRg st="3" end="3"/>
+                                            </p:txEl>
+                                          </p:spTgt>
+                                        </p:tgtEl>
+                                      </p:cBhvr>
+                                    </p:animEffect>
+                                  </p:childTnLst>
+                                </p:cTn>
+                              </p:par>
+                            </p:childTnLst>
+                          </p:cTn>
+                        </p:par>
+                      </p:childTnLst>
+                    </p:cTn>
+                  </p:par>
+                  <p:par>
+                    <p:cTn id="23" fill="hold">
+                      <p:stCondLst>
+                        <p:cond delay="indefinite"/>
+                      </p:stCondLst>
+                      <p:childTnLst>
+                        <p:par>
+                          <p:cTn id="24" fill="hold">
+                            <p:stCondLst>
+                              <p:cond delay="0"/>
+                            </p:stCondLst>
+                            <p:childTnLst>
+                              <p:par>
+                                <p:cTn id="25" presetID="10" presetClass="entr" presetSubtype="0" fill="hold" nodeType="clickEffect">
+                                  <p:stCondLst>
+                                    <p:cond delay="0"/>
+                                  </p:stCondLst>
+                                  <p:childTnLst>
+                                    <p:set>
+                                      <p:cBhvr>
+                                        <p:cTn id="26" dur="1" fill="hold">
+                                          <p:stCondLst>
+                                            <p:cond delay="0"/>
+                                          </p:stCondLst>
+                                        </p:cTn>
+                                        <p:tgtEl>
+                                          <p:spTgt spid="5">
+                                            <p:txEl>
+                                              <p:pRg st="4" end="4"/>
+                                            </p:txEl>
+                                          </p:spTgt>
+                                        </p:tgtEl>
+                                        <p:attrNameLst>
+                                          <p:attrName>style.visibility</p:attrName>
+                                        </p:attrNameLst>
+                                      </p:cBhvr>
+                                      <p:to>
+                                        <p:strVal val="visible"/>
+                                      </p:to>
+                                    </p:set>
+                                    <p:animEffect transition="in" filter="fade">
+                                      <p:cBhvr>
+                                        <p:cTn id="27" dur="500"/>
+                                        <p:tgtEl>
+                                          <p:spTgt spid="5">
+                                            <p:txEl>
+                                              <p:pRg st="4" end="4"/>
+                                            </p:txEl>
+                                          </p:spTgt>
+                                        </p:tgtEl>
+                                      </p:cBhvr>
+                                    </p:animEffect>
+                                  </p:childTnLst>
+                                </p:cTn>
+                              </p:par>
+                            </p:childTnLst>
+                          </p:cTn>
+                        </p:par>
+                      </p:childTnLst>
+                    </p:cTn>
+                  </p:par>
+                  <p:par>
+                    <p:cTn id="28" fill="hold">
+                      <p:stCondLst>
+                        <p:cond delay="indefinite"/>
+                      </p:stCondLst>
+                      <p:childTnLst>
+                        <p:par>
+                          <p:cTn id="29" fill="hold">
+                            <p:stCondLst>
+                              <p:cond delay="0"/>
+                            </p:stCondLst>
+                            <p:childTnLst>
+                              <p:par>
+                                <p:cTn id="30" presetID="10" presetClass="entr" presetSubtype="0" fill="hold" nodeType="clickEffect">
+                                  <p:stCondLst>
+                                    <p:cond delay="0"/>
+                                  </p:stCondLst>
+                                  <p:childTnLst>
+                                    <p:set>
+                                      <p:cBhvr>
+                                        <p:cTn id="31" dur="1" fill="hold">
+                                          <p:stCondLst>
+                                            <p:cond delay="0"/>
+                                          </p:stCondLst>
+                                        </p:cTn>
+                                        <p:tgtEl>
+                                          <p:spTgt spid="5">
+                                            <p:txEl>
+                                              <p:pRg st="5" end="5"/>
+                                            </p:txEl>
+                                          </p:spTgt>
+                                        </p:tgtEl>
+                                        <p:attrNameLst>
+                                          <p:attrName>style.visibility</p:attrName>
+                                        </p:attrNameLst>
+                                      </p:cBhvr>
+                                      <p:to>
+                                        <p:strVal val="visible"/>
+                                      </p:to>
+                                    </p:set>
+                                    <p:animEffect transition="in" filter="fade">
+                                      <p:cBhvr>
+                                        <p:cTn id="32" dur="500"/>
+                                        <p:tgtEl>
+                                          <p:spTgt spid="5">
+                                            <p:txEl>
+                                              <p:pRg st="5" end="5"/>
+                                            </p:txEl>
+                                          </p:spTgt>
+                                        </p:tgtEl>
+                                      </p:cBhvr>
+                                    </p:animEffect>
+                                  </p:childTnLst>
+                                </p:cTn>
+                              </p:par>
+                            </p:childTnLst>
+                          </p:cTn>
+                        </p:par>
+                      </p:childTnLst>
+                    </p:cTn>
+                  </p:par>
+                  <p:par>
+                    <p:cTn id="33" fill="hold">
+                      <p:stCondLst>
+                        <p:cond delay="indefinite"/>
+                      </p:stCondLst>
+                      <p:childTnLst>
+                        <p:par>
+                          <p:cTn id="34" fill="hold">
+                            <p:stCondLst>
+                              <p:cond delay="0"/>
+                            </p:stCondLst>
+                            <p:childTnLst>
+                              <p:par>
+                                <p:cTn id="35" presetID="10" presetClass="entr" presetSubtype="0" fill="hold" nodeType="clickEffect">
+                                  <p:stCondLst>
+                                    <p:cond delay="0"/>
+                                  </p:stCondLst>
+                                  <p:childTnLst>
+                                    <p:set>
+                                      <p:cBhvr>
+                                        <p:cTn id="36" dur="1" fill="hold">
+                                          <p:stCondLst>
+                                            <p:cond delay="0"/>
+                                          </p:stCondLst>
+                                        </p:cTn>
+                                        <p:tgtEl>
+                                          <p:spTgt spid="5">
+                                            <p:txEl>
+                                              <p:pRg st="6" end="6"/>
+                                            </p:txEl>
+                                          </p:spTgt>
+                                        </p:tgtEl>
+                                        <p:attrNameLst>
+                                          <p:attrName>style.visibility</p:attrName>
+                                        </p:attrNameLst>
+                                      </p:cBhvr>
+                                      <p:to>
+                                        <p:strVal val="visible"/>
+                                      </p:to>
+                                    </p:set>
+                                    <p:animEffect transition="in" filter="fade">
+                                      <p:cBhvr>
+                                        <p:cTn id="37" dur="500"/>
+                                        <p:tgtEl>
+                                          <p:spTgt spid="5">
+                                            <p:txEl>
+                                              <p:pRg st="6" end="6"/>
+                                            </p:txEl>
+                                          </p:spTgt>
+                                        </p:tgtEl>
+                                      </p:cBhvr>
+                                    </p:animEffect>
+                                  </p:childTnLst>
+                                </p:cTn>
+                              </p:par>
+                            </p:childTnLst>
+                          </p:cTn>
+                        </p:par>
+                      </p:childTnLst>
+                    </p:cTn>
+                  </p:par>
+                  <p:par>
+                    <p:cTn id="38" fill="hold">
+                      <p:stCondLst>
+                        <p:cond delay="indefinite"/>
+                      </p:stCondLst>
+                      <p:childTnLst>
+                        <p:par>
+                          <p:cTn id="39" fill="hold">
+                            <p:stCondLst>
+                              <p:cond delay="0"/>
+                            </p:stCondLst>
+                            <p:childTnLst>
+                              <p:par>
+                                <p:cTn id="40" presetID="10" presetClass="entr" presetSubtype="0" fill="hold" nodeType="clickEffect">
+                                  <p:stCondLst>
+                                    <p:cond delay="0"/>
+                                  </p:stCondLst>
+                                  <p:childTnLst>
+                                    <p:set>
+                                      <p:cBhvr>
+                                        <p:cTn id="41" dur="1" fill="hold">
+                                          <p:stCondLst>
+                                            <p:cond delay="0"/>
+                                          </p:stCondLst>
+                                        </p:cTn>
+                                        <p:tgtEl>
+                                          <p:spTgt spid="5">
+                                            <p:txEl>
+                                              <p:pRg st="7" end="7"/>
+                                            </p:txEl>
+                                          </p:spTgt>
+                                        </p:tgtEl>
+                                        <p:attrNameLst>
+                                          <p:attrName>style.visibility</p:attrName>
+                                        </p:attrNameLst>
+                                      </p:cBhvr>
+                                      <p:to>
+                                        <p:strVal val="visible"/>
+                                      </p:to>
+                                    </p:set>
+                                    <p:animEffect transition="in" filter="fade">
+                                      <p:cBhvr>
+                                        <p:cTn id="42" dur="500"/>
+                                        <p:tgtEl>
+                                          <p:spTgt spid="5">
+                                            <p:txEl>
+                                              <p:pRg st="7" end="7"/>
+                                            </p:txEl>
+                                          </p:spTgt>
+                                        </p:tgtEl>
+                                      </p:cBhvr>
+                                    </p:animEffect>
+                                  </p:childTnLst>
+                                </p:cTn>
+                              </p:par>
+                            </p:childTnLst>
+                          </p:cTn>
+                        </p:par>
+                      </p:childTnLst>
+                    </p:cTn>
+                  </p:par>
+                </p:childTnLst>
+              </p:cTn>
+              <p:prevCondLst>
+                <p:cond evt="onPrev" delay="0">
+                  <p:tgtEl>
+                    <p:sldTgt/>
+                  </p:tgtEl>
+                </p:cond>
+              </p:prevCondLst>
+              <p:nextCondLst>
+                <p:cond evt="onNext" delay="0">
+                  <p:tgtEl>
+                    <p:sldTgt/>
+                  </p:tgtEl>
+                </p:cond>
+              </p:nextCondLst>
+            </p:seq>
+          </p:childTnLst>
+        </p:cTn>
+      </p:par>
+    </p:tnLst>
+  </p:timing>
 </p:sld>
 </file>
 
@@ -12055,6 +12573,23 @@
 </file>
 
 <file path=customXml/item1.xml><?xml version="1.0" encoding="utf-8"?>
+<p:properties xmlns:p="http://schemas.microsoft.com/office/2006/metadata/properties" xmlns:xsi="http://www.w3.org/2001/XMLSchema-instance" xmlns:pc="http://schemas.microsoft.com/office/infopath/2007/PartnerControls">
+  <documentManagement>
+    <_activity xmlns="c8f3fc2c-a3ba-4a56-b225-dd01e3cef7b1" xsi:nil="true"/>
+  </documentManagement>
+</p:properties>
+</file>
+
+<file path=customXml/item2.xml><?xml version="1.0" encoding="utf-8"?>
+<?mso-contentType ?>
+<FormTemplates xmlns="http://schemas.microsoft.com/sharepoint/v3/contenttype/forms">
+  <Display>DocumentLibraryForm</Display>
+  <Edit>DocumentLibraryForm</Edit>
+  <New>DocumentLibraryForm</New>
+</FormTemplates>
+</file>
+
+<file path=customXml/item3.xml><?xml version="1.0" encoding="utf-8"?>
 <ct:contentTypeSchema xmlns:ct="http://schemas.microsoft.com/office/2006/metadata/contentType" xmlns:ma="http://schemas.microsoft.com/office/2006/metadata/properties/metaAttributes" ct:_="" ma:_="" ma:contentTypeName="Dokument" ma:contentTypeID="0x01010014C625F8BF61ED48BCD052DC90292957" ma:contentTypeVersion="17" ma:contentTypeDescription="Vytvoří nový dokument" ma:contentTypeScope="" ma:versionID="e0d329bf29da5bff5fb53bfb63aa2157">
   <xsd:schema xmlns:xsd="http://www.w3.org/2001/XMLSchema" xmlns:xs="http://www.w3.org/2001/XMLSchema" xmlns:p="http://schemas.microsoft.com/office/2006/metadata/properties" xmlns:ns3="c8f3fc2c-a3ba-4a56-b225-dd01e3cef7b1" xmlns:ns4="1b03cdca-bcb3-481d-aaaa-ac59088b2c30" targetNamespace="http://schemas.microsoft.com/office/2006/metadata/properties" ma:root="true" ma:fieldsID="f66ee75d19c7bdf9cc98c4c53bd8eb3d" ns3:_="" ns4:_="">
     <xsd:import namespace="c8f3fc2c-a3ba-4a56-b225-dd01e3cef7b1"/>
@@ -12301,24 +12836,32 @@
 </ct:contentTypeSchema>
 </file>
 
-<file path=customXml/item2.xml><?xml version="1.0" encoding="utf-8"?>
-<?mso-contentType ?>
-<FormTemplates xmlns="http://schemas.microsoft.com/sharepoint/v3/contenttype/forms">
-  <Display>DocumentLibraryForm</Display>
-  <Edit>DocumentLibraryForm</Edit>
-  <New>DocumentLibraryForm</New>
-</FormTemplates>
+<file path=customXml/itemProps1.xml><?xml version="1.0" encoding="utf-8"?>
+<ds:datastoreItem xmlns:ds="http://schemas.openxmlformats.org/officeDocument/2006/customXml" ds:itemID="{E6352A82-6F1D-4C88-8599-6115178EC008}">
+  <ds:schemaRefs>
+    <ds:schemaRef ds:uri="http://schemas.microsoft.com/office/infopath/2007/PartnerControls"/>
+    <ds:schemaRef ds:uri="http://purl.org/dc/terms/"/>
+    <ds:schemaRef ds:uri="http://www.w3.org/XML/1998/namespace"/>
+    <ds:schemaRef ds:uri="1b03cdca-bcb3-481d-aaaa-ac59088b2c30"/>
+    <ds:schemaRef ds:uri="http://schemas.microsoft.com/office/2006/documentManagement/types"/>
+    <ds:schemaRef ds:uri="http://schemas.microsoft.com/office/2006/metadata/properties"/>
+    <ds:schemaRef ds:uri="http://purl.org/dc/elements/1.1/"/>
+    <ds:schemaRef ds:uri="http://purl.org/dc/dcmitype/"/>
+    <ds:schemaRef ds:uri="http://schemas.openxmlformats.org/package/2006/metadata/core-properties"/>
+    <ds:schemaRef ds:uri="c8f3fc2c-a3ba-4a56-b225-dd01e3cef7b1"/>
+  </ds:schemaRefs>
+</ds:datastoreItem>
 </file>
 
-<file path=customXml/item3.xml><?xml version="1.0" encoding="utf-8"?>
-<p:properties xmlns:p="http://schemas.microsoft.com/office/2006/metadata/properties" xmlns:xsi="http://www.w3.org/2001/XMLSchema-instance" xmlns:pc="http://schemas.microsoft.com/office/infopath/2007/PartnerControls">
-  <documentManagement>
-    <_activity xmlns="c8f3fc2c-a3ba-4a56-b225-dd01e3cef7b1" xsi:nil="true"/>
-  </documentManagement>
-</p:properties>
+<file path=customXml/itemProps2.xml><?xml version="1.0" encoding="utf-8"?>
+<ds:datastoreItem xmlns:ds="http://schemas.openxmlformats.org/officeDocument/2006/customXml" ds:itemID="{DD470258-C907-4A62-B6C3-E0C32F10A7DD}">
+  <ds:schemaRefs>
+    <ds:schemaRef ds:uri="http://schemas.microsoft.com/sharepoint/v3/contenttype/forms"/>
+  </ds:schemaRefs>
+</ds:datastoreItem>
 </file>
 
-<file path=customXml/itemProps1.xml><?xml version="1.0" encoding="utf-8"?>
+<file path=customXml/itemProps3.xml><?xml version="1.0" encoding="utf-8"?>
 <ds:datastoreItem xmlns:ds="http://schemas.openxmlformats.org/officeDocument/2006/customXml" ds:itemID="{45A9A9D0-5E47-4D99-A339-3EDFE24EAE29}">
   <ds:schemaRefs>
     <ds:schemaRef ds:uri="http://schemas.microsoft.com/office/2006/metadata/contentType"/>
@@ -12335,29 +12878,4 @@
     <ds:schemaRef ds:uri="http://schemas.microsoft.com/internal/obd"/>
   </ds:schemaRefs>
 </ds:datastoreItem>
-</file>
-
-<file path=customXml/itemProps2.xml><?xml version="1.0" encoding="utf-8"?>
-<ds:datastoreItem xmlns:ds="http://schemas.openxmlformats.org/officeDocument/2006/customXml" ds:itemID="{DD470258-C907-4A62-B6C3-E0C32F10A7DD}">
-  <ds:schemaRefs>
-    <ds:schemaRef ds:uri="http://schemas.microsoft.com/sharepoint/v3/contenttype/forms"/>
-  </ds:schemaRefs>
-</ds:datastoreItem>
-</file>
-
-<file path=customXml/itemProps3.xml><?xml version="1.0" encoding="utf-8"?>
-<ds:datastoreItem xmlns:ds="http://schemas.openxmlformats.org/officeDocument/2006/customXml" ds:itemID="{E6352A82-6F1D-4C88-8599-6115178EC008}">
-  <ds:schemaRefs>
-    <ds:schemaRef ds:uri="http://schemas.microsoft.com/office/infopath/2007/PartnerControls"/>
-    <ds:schemaRef ds:uri="http://purl.org/dc/terms/"/>
-    <ds:schemaRef ds:uri="http://www.w3.org/XML/1998/namespace"/>
-    <ds:schemaRef ds:uri="1b03cdca-bcb3-481d-aaaa-ac59088b2c30"/>
-    <ds:schemaRef ds:uri="http://schemas.microsoft.com/office/2006/documentManagement/types"/>
-    <ds:schemaRef ds:uri="http://schemas.microsoft.com/office/2006/metadata/properties"/>
-    <ds:schemaRef ds:uri="http://purl.org/dc/elements/1.1/"/>
-    <ds:schemaRef ds:uri="http://purl.org/dc/dcmitype/"/>
-    <ds:schemaRef ds:uri="http://schemas.openxmlformats.org/package/2006/metadata/core-properties"/>
-    <ds:schemaRef ds:uri="c8f3fc2c-a3ba-4a56-b225-dd01e3cef7b1"/>
-  </ds:schemaRefs>
-</ds:datastoreItem>
 </file>
--- a/Seminars/Seminar01/Presentation01.pptx
+++ b/Seminars/Seminar01/Presentation01.pptx
@@ -6858,7 +6858,15 @@
           <a:p>
             <a:r>
               <a:rPr lang="cs-CZ" dirty="0"/>
-              <a:t>Přestavení - Mne</a:t>
+              <a:t>Pře</a:t>
+            </a:r>
+            <a:r>
+              <a:rPr lang="en-US" dirty="0"/>
+              <a:t>d</a:t>
+            </a:r>
+            <a:r>
+              <a:rPr lang="cs-CZ" dirty="0"/>
+              <a:t>stavení - Mne</a:t>
             </a:r>
             <a:endParaRPr lang="en-US" dirty="0"/>
           </a:p>
@@ -12573,23 +12581,6 @@
 </file>
 
 <file path=customXml/item1.xml><?xml version="1.0" encoding="utf-8"?>
-<p:properties xmlns:p="http://schemas.microsoft.com/office/2006/metadata/properties" xmlns:xsi="http://www.w3.org/2001/XMLSchema-instance" xmlns:pc="http://schemas.microsoft.com/office/infopath/2007/PartnerControls">
-  <documentManagement>
-    <_activity xmlns="c8f3fc2c-a3ba-4a56-b225-dd01e3cef7b1" xsi:nil="true"/>
-  </documentManagement>
-</p:properties>
-</file>
-
-<file path=customXml/item2.xml><?xml version="1.0" encoding="utf-8"?>
-<?mso-contentType ?>
-<FormTemplates xmlns="http://schemas.microsoft.com/sharepoint/v3/contenttype/forms">
-  <Display>DocumentLibraryForm</Display>
-  <Edit>DocumentLibraryForm</Edit>
-  <New>DocumentLibraryForm</New>
-</FormTemplates>
-</file>
-
-<file path=customXml/item3.xml><?xml version="1.0" encoding="utf-8"?>
 <ct:contentTypeSchema xmlns:ct="http://schemas.microsoft.com/office/2006/metadata/contentType" xmlns:ma="http://schemas.microsoft.com/office/2006/metadata/properties/metaAttributes" ct:_="" ma:_="" ma:contentTypeName="Dokument" ma:contentTypeID="0x01010014C625F8BF61ED48BCD052DC90292957" ma:contentTypeVersion="17" ma:contentTypeDescription="Vytvoří nový dokument" ma:contentTypeScope="" ma:versionID="e0d329bf29da5bff5fb53bfb63aa2157">
   <xsd:schema xmlns:xsd="http://www.w3.org/2001/XMLSchema" xmlns:xs="http://www.w3.org/2001/XMLSchema" xmlns:p="http://schemas.microsoft.com/office/2006/metadata/properties" xmlns:ns3="c8f3fc2c-a3ba-4a56-b225-dd01e3cef7b1" xmlns:ns4="1b03cdca-bcb3-481d-aaaa-ac59088b2c30" targetNamespace="http://schemas.microsoft.com/office/2006/metadata/properties" ma:root="true" ma:fieldsID="f66ee75d19c7bdf9cc98c4c53bd8eb3d" ns3:_="" ns4:_="">
     <xsd:import namespace="c8f3fc2c-a3ba-4a56-b225-dd01e3cef7b1"/>
@@ -12836,32 +12827,24 @@
 </ct:contentTypeSchema>
 </file>
 
-<file path=customXml/itemProps1.xml><?xml version="1.0" encoding="utf-8"?>
-<ds:datastoreItem xmlns:ds="http://schemas.openxmlformats.org/officeDocument/2006/customXml" ds:itemID="{E6352A82-6F1D-4C88-8599-6115178EC008}">
-  <ds:schemaRefs>
-    <ds:schemaRef ds:uri="http://schemas.microsoft.com/office/infopath/2007/PartnerControls"/>
-    <ds:schemaRef ds:uri="http://purl.org/dc/terms/"/>
-    <ds:schemaRef ds:uri="http://www.w3.org/XML/1998/namespace"/>
-    <ds:schemaRef ds:uri="1b03cdca-bcb3-481d-aaaa-ac59088b2c30"/>
-    <ds:schemaRef ds:uri="http://schemas.microsoft.com/office/2006/documentManagement/types"/>
-    <ds:schemaRef ds:uri="http://schemas.microsoft.com/office/2006/metadata/properties"/>
-    <ds:schemaRef ds:uri="http://purl.org/dc/elements/1.1/"/>
-    <ds:schemaRef ds:uri="http://purl.org/dc/dcmitype/"/>
-    <ds:schemaRef ds:uri="http://schemas.openxmlformats.org/package/2006/metadata/core-properties"/>
-    <ds:schemaRef ds:uri="c8f3fc2c-a3ba-4a56-b225-dd01e3cef7b1"/>
-  </ds:schemaRefs>
-</ds:datastoreItem>
+<file path=customXml/item2.xml><?xml version="1.0" encoding="utf-8"?>
+<?mso-contentType ?>
+<FormTemplates xmlns="http://schemas.microsoft.com/sharepoint/v3/contenttype/forms">
+  <Display>DocumentLibraryForm</Display>
+  <Edit>DocumentLibraryForm</Edit>
+  <New>DocumentLibraryForm</New>
+</FormTemplates>
 </file>
 
-<file path=customXml/itemProps2.xml><?xml version="1.0" encoding="utf-8"?>
-<ds:datastoreItem xmlns:ds="http://schemas.openxmlformats.org/officeDocument/2006/customXml" ds:itemID="{DD470258-C907-4A62-B6C3-E0C32F10A7DD}">
-  <ds:schemaRefs>
-    <ds:schemaRef ds:uri="http://schemas.microsoft.com/sharepoint/v3/contenttype/forms"/>
-  </ds:schemaRefs>
-</ds:datastoreItem>
+<file path=customXml/item3.xml><?xml version="1.0" encoding="utf-8"?>
+<p:properties xmlns:p="http://schemas.microsoft.com/office/2006/metadata/properties" xmlns:xsi="http://www.w3.org/2001/XMLSchema-instance" xmlns:pc="http://schemas.microsoft.com/office/infopath/2007/PartnerControls">
+  <documentManagement>
+    <_activity xmlns="c8f3fc2c-a3ba-4a56-b225-dd01e3cef7b1" xsi:nil="true"/>
+  </documentManagement>
+</p:properties>
 </file>
 
-<file path=customXml/itemProps3.xml><?xml version="1.0" encoding="utf-8"?>
+<file path=customXml/itemProps1.xml><?xml version="1.0" encoding="utf-8"?>
 <ds:datastoreItem xmlns:ds="http://schemas.openxmlformats.org/officeDocument/2006/customXml" ds:itemID="{45A9A9D0-5E47-4D99-A339-3EDFE24EAE29}">
   <ds:schemaRefs>
     <ds:schemaRef ds:uri="http://schemas.microsoft.com/office/2006/metadata/contentType"/>
@@ -12878,4 +12861,29 @@
     <ds:schemaRef ds:uri="http://schemas.microsoft.com/internal/obd"/>
   </ds:schemaRefs>
 </ds:datastoreItem>
+</file>
+
+<file path=customXml/itemProps2.xml><?xml version="1.0" encoding="utf-8"?>
+<ds:datastoreItem xmlns:ds="http://schemas.openxmlformats.org/officeDocument/2006/customXml" ds:itemID="{DD470258-C907-4A62-B6C3-E0C32F10A7DD}">
+  <ds:schemaRefs>
+    <ds:schemaRef ds:uri="http://schemas.microsoft.com/sharepoint/v3/contenttype/forms"/>
+  </ds:schemaRefs>
+</ds:datastoreItem>
+</file>
+
+<file path=customXml/itemProps3.xml><?xml version="1.0" encoding="utf-8"?>
+<ds:datastoreItem xmlns:ds="http://schemas.openxmlformats.org/officeDocument/2006/customXml" ds:itemID="{E6352A82-6F1D-4C88-8599-6115178EC008}">
+  <ds:schemaRefs>
+    <ds:schemaRef ds:uri="http://schemas.microsoft.com/office/infopath/2007/PartnerControls"/>
+    <ds:schemaRef ds:uri="http://purl.org/dc/terms/"/>
+    <ds:schemaRef ds:uri="http://www.w3.org/XML/1998/namespace"/>
+    <ds:schemaRef ds:uri="1b03cdca-bcb3-481d-aaaa-ac59088b2c30"/>
+    <ds:schemaRef ds:uri="http://schemas.microsoft.com/office/2006/documentManagement/types"/>
+    <ds:schemaRef ds:uri="http://schemas.microsoft.com/office/2006/metadata/properties"/>
+    <ds:schemaRef ds:uri="http://purl.org/dc/elements/1.1/"/>
+    <ds:schemaRef ds:uri="http://purl.org/dc/dcmitype/"/>
+    <ds:schemaRef ds:uri="http://schemas.openxmlformats.org/package/2006/metadata/core-properties"/>
+    <ds:schemaRef ds:uri="c8f3fc2c-a3ba-4a56-b225-dd01e3cef7b1"/>
+  </ds:schemaRefs>
+</ds:datastoreItem>
 </file>